--- a/public/user/output/U201812791-刘棫欣-1.《喜马拉雅FM免费增值策略对用户留存的影响的实证研究》/output_9_2.pptx
+++ b/public/user/output/U201812791-刘棫欣-1.《喜马拉雅FM免费增值策略对用户留存的影响的实证研究》/output_9_2.pptx
@@ -3619,7 +3619,7 @@
               </a:defRPr>
             </a:pPr>
             <a:r>
-              <a:t>4. 专辑分类：有声书分类占比99%。</a:t>
+              <a:t>- 购买类型超84%提供单个声音购买，少数为整张专辑购买。</a:t>
             </a:r>
           </a:p>
         </p:txBody>
@@ -3647,7 +3647,7 @@
           <a:lstStyle/>
           <a:p>
             <a:pPr>
-              <a:defRPr b="0" sz="2000">
+              <a:defRPr b="1" sz="2200">
                 <a:solidFill>
                   <a:srgbClr val="000000"/>
                 </a:solidFill>
@@ -3655,7 +3655,7 @@
               </a:defRPr>
             </a:pPr>
             <a:r>
-              <a:t>5. 主播情况：男女主播比近2:1；85%主播获喜马拉雅官方荣誉认证。</a:t>
+              <a:t>3. 专辑分类</a:t>
             </a:r>
           </a:p>
         </p:txBody>
@@ -3691,7 +3691,7 @@
               </a:defRPr>
             </a:pPr>
             <a:r>
-              <a:t>6. 分析方法：连续变量用皮尔逊相关分析，分类与连续变量用斯皮尔曼分析，依结果判断模型变量选择及修正。</a:t>
+              <a:t>有声书分类占比99%。</a:t>
             </a:r>
           </a:p>
         </p:txBody>
@@ -3719,6 +3719,42 @@
           <a:lstStyle/>
           <a:p>
             <a:pPr>
+              <a:defRPr b="1" sz="2200">
+                <a:solidFill>
+                  <a:srgbClr val="000000"/>
+                </a:solidFill>
+                <a:latin typeface="微软雅黑"/>
+              </a:defRPr>
+            </a:pPr>
+            <a:r>
+              <a:t>4. 主播情况</a:t>
+            </a:r>
+          </a:p>
+        </p:txBody>
+      </p:sp>
+      <p:sp>
+        <p:nvSpPr>
+          <p:cNvPr id="9" name="TextBox 8"/>
+          <p:cNvSpPr txBox="1"/>
+          <p:nvPr/>
+        </p:nvSpPr>
+        <p:spPr>
+          <a:xfrm>
+            <a:off x="1371600" y="6126480"/>
+            <a:ext cx="9144000" cy="1371600"/>
+          </a:xfrm>
+          <a:prstGeom prst="rect">
+            <a:avLst/>
+          </a:prstGeom>
+          <a:noFill/>
+        </p:spPr>
+        <p:txBody>
+          <a:bodyPr wrap="square">
+            <a:spAutoFit/>
+          </a:bodyPr>
+          <a:lstStyle/>
+          <a:p>
+            <a:pPr>
               <a:defRPr b="0" sz="2000">
                 <a:solidFill>
                   <a:srgbClr val="000000"/>
@@ -3727,7 +3763,7 @@
               </a:defRPr>
             </a:pPr>
             <a:r>
-              <a:t>7. 相关结果：相关分析详细结果在附录三，表4 - 3为控制变量后的偏相关分析结果，还有表5 - 1、5 - 2逐层回归结果。 </a:t>
+              <a:t>男女主播比接近2:1，85%主播获喜马拉雅官方荣誉认证。</a:t>
             </a:r>
           </a:p>
         </p:txBody>
